--- a/毕业论文/终版/文章组织结构图.pptx
+++ b/毕业论文/终版/文章组织结构图.pptx
@@ -3238,7 +3238,10 @@
           <a:bodyPr rtlCol="0" anchor="ctr"/>
           <a:p>
             <a:pPr algn="ctr"/>
-            <a:endParaRPr lang="zh-CN" altLang="en-US"/>
+            <a:endParaRPr lang="zh-CN" altLang="en-US">
+              <a:latin typeface="宋体" panose="02010600030101010101" pitchFamily="2" charset="-122"/>
+              <a:ea typeface="宋体" panose="02010600030101010101" pitchFamily="2" charset="-122"/>
+            </a:endParaRPr>
           </a:p>
         </p:txBody>
       </p:sp>
@@ -3283,7 +3286,10 @@
           <a:bodyPr rtlCol="0" anchor="ctr"/>
           <a:p>
             <a:pPr algn="ctr"/>
-            <a:endParaRPr lang="zh-CN" altLang="en-US"/>
+            <a:endParaRPr lang="zh-CN" altLang="en-US">
+              <a:latin typeface="宋体" panose="02010600030101010101" pitchFamily="2" charset="-122"/>
+              <a:ea typeface="宋体" panose="02010600030101010101" pitchFamily="2" charset="-122"/>
+            </a:endParaRPr>
           </a:p>
         </p:txBody>
       </p:sp>
@@ -3329,7 +3335,10 @@
           <a:bodyPr rtlCol="0" anchor="ctr"/>
           <a:p>
             <a:pPr algn="ctr"/>
-            <a:endParaRPr lang="zh-CN" altLang="en-US"/>
+            <a:endParaRPr lang="zh-CN" altLang="en-US">
+              <a:latin typeface="宋体" panose="02010600030101010101" pitchFamily="2" charset="-122"/>
+              <a:ea typeface="宋体" panose="02010600030101010101" pitchFamily="2" charset="-122"/>
+            </a:endParaRPr>
           </a:p>
         </p:txBody>
       </p:sp>
@@ -3378,14 +3387,14 @@
             <a:pPr algn="ctr"/>
             <a:r>
               <a:rPr lang="zh-CN" altLang="en-US" b="1">
-                <a:latin typeface="仿宋" panose="02010609060101010101" charset="-122"/>
-                <a:ea typeface="仿宋" panose="02010609060101010101" charset="-122"/>
+                <a:latin typeface="宋体" panose="02010600030101010101" pitchFamily="2" charset="-122"/>
+                <a:ea typeface="宋体" panose="02010600030101010101" pitchFamily="2" charset="-122"/>
               </a:rPr>
               <a:t>基于遗忘的反应式系统最弱充分条件研究</a:t>
             </a:r>
             <a:endParaRPr lang="zh-CN" altLang="en-US" b="1">
-              <a:latin typeface="仿宋" panose="02010609060101010101" charset="-122"/>
-              <a:ea typeface="仿宋" panose="02010609060101010101" charset="-122"/>
+              <a:latin typeface="宋体" panose="02010600030101010101" pitchFamily="2" charset="-122"/>
+              <a:ea typeface="宋体" panose="02010600030101010101" pitchFamily="2" charset="-122"/>
             </a:endParaRPr>
           </a:p>
         </p:txBody>
@@ -3430,42 +3439,48 @@
             <a:pPr algn="ctr"/>
             <a:r>
               <a:rPr lang="zh-CN" altLang="en-US" b="1">
-                <a:latin typeface="仿宋" panose="02010609060101010101" charset="-122"/>
-                <a:ea typeface="仿宋" panose="02010609060101010101" charset="-122"/>
+                <a:latin typeface="宋体" panose="02010600030101010101" pitchFamily="2" charset="-122"/>
+                <a:ea typeface="宋体" panose="02010600030101010101" pitchFamily="2" charset="-122"/>
+                <a:cs typeface="宋体" panose="02010600030101010101" pitchFamily="2" charset="-122"/>
               </a:rPr>
               <a:t>绪论</a:t>
             </a:r>
             <a:endParaRPr lang="zh-CN" altLang="en-US" b="1">
-              <a:latin typeface="仿宋" panose="02010609060101010101" charset="-122"/>
-              <a:ea typeface="仿宋" panose="02010609060101010101" charset="-122"/>
+              <a:latin typeface="宋体" panose="02010600030101010101" pitchFamily="2" charset="-122"/>
+              <a:ea typeface="宋体" panose="02010600030101010101" pitchFamily="2" charset="-122"/>
+              <a:cs typeface="宋体" panose="02010600030101010101" pitchFamily="2" charset="-122"/>
             </a:endParaRPr>
           </a:p>
           <a:p>
             <a:pPr algn="ctr"/>
             <a:r>
               <a:rPr lang="en-US" altLang="zh-CN" b="1">
-                <a:latin typeface="仿宋" panose="02010609060101010101" charset="-122"/>
-                <a:ea typeface="仿宋" panose="02010609060101010101" charset="-122"/>
+                <a:latin typeface="宋体" panose="02010600030101010101" pitchFamily="2" charset="-122"/>
+                <a:ea typeface="宋体" panose="02010600030101010101" pitchFamily="2" charset="-122"/>
+                <a:cs typeface="宋体" panose="02010600030101010101" pitchFamily="2" charset="-122"/>
               </a:rPr>
               <a:t>(</a:t>
             </a:r>
             <a:r>
               <a:rPr lang="zh-CN" altLang="en-US" b="1">
-                <a:latin typeface="仿宋" panose="02010609060101010101" charset="-122"/>
-                <a:ea typeface="仿宋" panose="02010609060101010101" charset="-122"/>
+                <a:latin typeface="宋体" panose="02010600030101010101" pitchFamily="2" charset="-122"/>
+                <a:ea typeface="宋体" panose="02010600030101010101" pitchFamily="2" charset="-122"/>
+                <a:cs typeface="宋体" panose="02010600030101010101" pitchFamily="2" charset="-122"/>
               </a:rPr>
               <a:t>第一章</a:t>
             </a:r>
             <a:r>
               <a:rPr lang="en-US" altLang="zh-CN" b="1">
-                <a:latin typeface="仿宋" panose="02010609060101010101" charset="-122"/>
-                <a:ea typeface="仿宋" panose="02010609060101010101" charset="-122"/>
+                <a:latin typeface="宋体" panose="02010600030101010101" pitchFamily="2" charset="-122"/>
+                <a:ea typeface="宋体" panose="02010600030101010101" pitchFamily="2" charset="-122"/>
+                <a:cs typeface="宋体" panose="02010600030101010101" pitchFamily="2" charset="-122"/>
               </a:rPr>
               <a:t>)</a:t>
             </a:r>
             <a:endParaRPr lang="en-US" altLang="zh-CN" b="1">
-              <a:latin typeface="仿宋" panose="02010609060101010101" charset="-122"/>
-              <a:ea typeface="仿宋" panose="02010609060101010101" charset="-122"/>
+              <a:latin typeface="宋体" panose="02010600030101010101" pitchFamily="2" charset="-122"/>
+              <a:ea typeface="宋体" panose="02010600030101010101" pitchFamily="2" charset="-122"/>
+              <a:cs typeface="宋体" panose="02010600030101010101" pitchFamily="2" charset="-122"/>
             </a:endParaRPr>
           </a:p>
         </p:txBody>
@@ -3515,14 +3530,14 @@
             <a:pPr algn="ctr"/>
             <a:r>
               <a:rPr lang="zh-CN" altLang="en-US" b="1">
-                <a:latin typeface="仿宋" panose="02010609060101010101" charset="-122"/>
-                <a:ea typeface="仿宋" panose="02010609060101010101" charset="-122"/>
+                <a:latin typeface="宋体" panose="02010600030101010101" pitchFamily="2" charset="-122"/>
+                <a:ea typeface="宋体" panose="02010600030101010101" pitchFamily="2" charset="-122"/>
               </a:rPr>
               <a:t>遗忘理论</a:t>
             </a:r>
-            <a:endParaRPr lang="en-US" altLang="zh-CN" b="1">
-              <a:latin typeface="仿宋" panose="02010609060101010101" charset="-122"/>
-              <a:ea typeface="仿宋" panose="02010609060101010101" charset="-122"/>
+            <a:endParaRPr lang="zh-CN" altLang="en-US" b="1">
+              <a:latin typeface="宋体" panose="02010600030101010101" pitchFamily="2" charset="-122"/>
+              <a:ea typeface="宋体" panose="02010600030101010101" pitchFamily="2" charset="-122"/>
             </a:endParaRPr>
           </a:p>
         </p:txBody>
@@ -3572,36 +3587,41 @@
             <a:pPr algn="ctr"/>
             <a:r>
               <a:rPr lang="en-US" altLang="zh-CN" b="1">
-                <a:latin typeface="仿宋" panose="02010609060101010101" charset="-122"/>
-                <a:ea typeface="仿宋" panose="02010609060101010101" charset="-122"/>
+                <a:latin typeface="宋体" panose="02010600030101010101" pitchFamily="2" charset="-122"/>
+                <a:ea typeface="宋体" panose="02010600030101010101" pitchFamily="2" charset="-122"/>
+                <a:cs typeface="宋体" panose="02010600030101010101" pitchFamily="2" charset="-122"/>
               </a:rPr>
               <a:t>CTL</a:t>
             </a:r>
             <a:r>
               <a:rPr lang="zh-CN" altLang="en-US" b="1">
-                <a:latin typeface="仿宋" panose="02010609060101010101" charset="-122"/>
-                <a:ea typeface="仿宋" panose="02010609060101010101" charset="-122"/>
+                <a:latin typeface="宋体" panose="02010600030101010101" pitchFamily="2" charset="-122"/>
+                <a:ea typeface="宋体" panose="02010600030101010101" pitchFamily="2" charset="-122"/>
+                <a:cs typeface="宋体" panose="02010600030101010101" pitchFamily="2" charset="-122"/>
               </a:rPr>
               <a:t>下</a:t>
             </a:r>
             <a:r>
               <a:rPr lang="zh-CN" altLang="en-US" b="1">
-                <a:latin typeface="仿宋" panose="02010609060101010101" charset="-122"/>
-                <a:ea typeface="仿宋" panose="02010609060101010101" charset="-122"/>
+                <a:latin typeface="宋体" panose="02010600030101010101" pitchFamily="2" charset="-122"/>
+                <a:ea typeface="宋体" panose="02010600030101010101" pitchFamily="2" charset="-122"/>
+                <a:cs typeface="宋体" panose="02010600030101010101" pitchFamily="2" charset="-122"/>
                 <a:sym typeface="+mn-ea"/>
               </a:rPr>
               <a:t>的</a:t>
             </a:r>
             <a:r>
               <a:rPr lang="zh-CN" altLang="en-US" b="1">
-                <a:latin typeface="仿宋" panose="02010609060101010101" charset="-122"/>
-                <a:ea typeface="仿宋" panose="02010609060101010101" charset="-122"/>
+                <a:latin typeface="宋体" panose="02010600030101010101" pitchFamily="2" charset="-122"/>
+                <a:ea typeface="宋体" panose="02010600030101010101" pitchFamily="2" charset="-122"/>
+                <a:cs typeface="宋体" panose="02010600030101010101" pitchFamily="2" charset="-122"/>
               </a:rPr>
               <a:t>遗忘理论</a:t>
             </a:r>
             <a:endParaRPr lang="en-US" altLang="zh-CN" b="1">
-              <a:latin typeface="仿宋" panose="02010609060101010101" charset="-122"/>
-              <a:ea typeface="仿宋" panose="02010609060101010101" charset="-122"/>
+              <a:latin typeface="宋体" panose="02010600030101010101" pitchFamily="2" charset="-122"/>
+              <a:ea typeface="宋体" panose="02010600030101010101" pitchFamily="2" charset="-122"/>
+              <a:cs typeface="宋体" panose="02010600030101010101" pitchFamily="2" charset="-122"/>
             </a:endParaRPr>
           </a:p>
         </p:txBody>
@@ -3651,67 +3671,59 @@
             <a:pPr algn="ctr"/>
             <a:r>
               <a:rPr lang="en-US" altLang="zh-CN" b="1">
-                <a:latin typeface="仿宋" panose="02010609060101010101" charset="-122"/>
-                <a:ea typeface="仿宋" panose="02010609060101010101" charset="-122"/>
+                <a:latin typeface="宋体" panose="02010600030101010101" pitchFamily="2" charset="-122"/>
+                <a:ea typeface="宋体" panose="02010600030101010101" pitchFamily="2" charset="-122"/>
+                <a:cs typeface="宋体" panose="02010600030101010101" pitchFamily="2" charset="-122"/>
               </a:rPr>
               <a:t>mu-</a:t>
             </a:r>
             <a:r>
               <a:rPr lang="zh-CN" altLang="en-US" b="1">
-                <a:latin typeface="仿宋" panose="02010609060101010101" charset="-122"/>
-                <a:ea typeface="仿宋" panose="02010609060101010101" charset="-122"/>
-              </a:rPr>
-              <a:t>演算下的</a:t>
+                <a:latin typeface="宋体" panose="02010600030101010101" pitchFamily="2" charset="-122"/>
+                <a:ea typeface="宋体" panose="02010600030101010101" pitchFamily="2" charset="-122"/>
+                <a:cs typeface="宋体" panose="02010600030101010101" pitchFamily="2" charset="-122"/>
+              </a:rPr>
+              <a:t>演算下的遗忘理论</a:t>
+            </a:r>
+            <a:endParaRPr lang="zh-CN" altLang="en-US" b="1">
+              <a:latin typeface="宋体" panose="02010600030101010101" pitchFamily="2" charset="-122"/>
+              <a:ea typeface="宋体" panose="02010600030101010101" pitchFamily="2" charset="-122"/>
+              <a:cs typeface="宋体" panose="02010600030101010101" pitchFamily="2" charset="-122"/>
+            </a:endParaRPr>
+          </a:p>
+          <a:p>
+            <a:pPr algn="ctr"/>
+            <a:r>
+              <a:rPr lang="en-US" altLang="zh-CN" b="1">
+                <a:latin typeface="宋体" panose="02010600030101010101" pitchFamily="2" charset="-122"/>
+                <a:ea typeface="宋体" panose="02010600030101010101" pitchFamily="2" charset="-122"/>
+                <a:cs typeface="宋体" panose="02010600030101010101" pitchFamily="2" charset="-122"/>
+                <a:sym typeface="+mn-ea"/>
+              </a:rPr>
+              <a:t>(</a:t>
             </a:r>
             <a:r>
               <a:rPr lang="zh-CN" altLang="en-US" b="1">
-                <a:latin typeface="仿宋" panose="02010609060101010101" charset="-122"/>
-                <a:ea typeface="仿宋" panose="02010609060101010101" charset="-122"/>
-              </a:rPr>
-              <a:t>遗忘理论</a:t>
-            </a:r>
-            <a:endParaRPr lang="zh-CN" altLang="en-US" b="1">
-              <a:latin typeface="仿宋" panose="02010609060101010101" charset="-122"/>
-              <a:ea typeface="仿宋" panose="02010609060101010101" charset="-122"/>
-            </a:endParaRPr>
-          </a:p>
-          <a:p>
-            <a:pPr algn="ctr"/>
+                <a:latin typeface="宋体" panose="02010600030101010101" pitchFamily="2" charset="-122"/>
+                <a:ea typeface="宋体" panose="02010600030101010101" pitchFamily="2" charset="-122"/>
+                <a:cs typeface="宋体" panose="02010600030101010101" pitchFamily="2" charset="-122"/>
+                <a:sym typeface="+mn-ea"/>
+              </a:rPr>
+              <a:t>第三章</a:t>
+            </a:r>
             <a:r>
               <a:rPr lang="en-US" altLang="zh-CN" b="1">
-                <a:latin typeface="仿宋" panose="02010609060101010101" charset="-122"/>
-                <a:ea typeface="仿宋" panose="02010609060101010101" charset="-122"/>
+                <a:latin typeface="宋体" panose="02010600030101010101" pitchFamily="2" charset="-122"/>
+                <a:ea typeface="宋体" panose="02010600030101010101" pitchFamily="2" charset="-122"/>
+                <a:cs typeface="宋体" panose="02010600030101010101" pitchFamily="2" charset="-122"/>
                 <a:sym typeface="+mn-ea"/>
               </a:rPr>
-              <a:t>(</a:t>
-            </a:r>
-            <a:r>
-              <a:rPr lang="zh-CN" altLang="en-US" b="1">
-                <a:latin typeface="仿宋" panose="02010609060101010101" charset="-122"/>
-                <a:ea typeface="仿宋" panose="02010609060101010101" charset="-122"/>
-                <a:sym typeface="+mn-ea"/>
-              </a:rPr>
-              <a:t>第</a:t>
-            </a:r>
-            <a:r>
-              <a:rPr lang="zh-CN" altLang="en-US" b="1">
-                <a:latin typeface="仿宋" panose="02010609060101010101" charset="-122"/>
-                <a:ea typeface="仿宋" panose="02010609060101010101" charset="-122"/>
-                <a:sym typeface="+mn-ea"/>
-              </a:rPr>
-              <a:t>三章</a:t>
-            </a:r>
-            <a:r>
-              <a:rPr lang="en-US" altLang="zh-CN" b="1">
-                <a:latin typeface="仿宋" panose="02010609060101010101" charset="-122"/>
-                <a:ea typeface="仿宋" panose="02010609060101010101" charset="-122"/>
-                <a:sym typeface="+mn-ea"/>
-              </a:rPr>
               <a:t>)</a:t>
             </a:r>
             <a:endParaRPr lang="en-US" altLang="zh-CN" b="1">
-              <a:latin typeface="仿宋" panose="02010609060101010101" charset="-122"/>
-              <a:ea typeface="仿宋" panose="02010609060101010101" charset="-122"/>
+              <a:latin typeface="宋体" panose="02010600030101010101" pitchFamily="2" charset="-122"/>
+              <a:ea typeface="宋体" panose="02010600030101010101" pitchFamily="2" charset="-122"/>
+              <a:cs typeface="宋体" panose="02010600030101010101" pitchFamily="2" charset="-122"/>
             </a:endParaRPr>
           </a:p>
         </p:txBody>
@@ -3761,46 +3773,43 @@
             <a:pPr algn="ctr"/>
             <a:r>
               <a:rPr lang="zh-CN" altLang="en-US" b="1">
-                <a:latin typeface="仿宋" panose="02010609060101010101" charset="-122"/>
-                <a:ea typeface="仿宋" panose="02010609060101010101" charset="-122"/>
+                <a:latin typeface="宋体" panose="02010600030101010101" pitchFamily="2" charset="-122"/>
+                <a:ea typeface="宋体" panose="02010600030101010101" pitchFamily="2" charset="-122"/>
+                <a:cs typeface="宋体" panose="02010600030101010101" pitchFamily="2" charset="-122"/>
               </a:rPr>
               <a:t>遗忘的应用</a:t>
             </a:r>
             <a:r>
               <a:rPr lang="en-US" altLang="zh-CN" b="1">
-                <a:latin typeface="仿宋" panose="02010609060101010101" charset="-122"/>
-                <a:ea typeface="仿宋" panose="02010609060101010101" charset="-122"/>
+                <a:latin typeface="宋体" panose="02010600030101010101" pitchFamily="2" charset="-122"/>
+                <a:ea typeface="宋体" panose="02010600030101010101" pitchFamily="2" charset="-122"/>
+                <a:cs typeface="宋体" panose="02010600030101010101" pitchFamily="2" charset="-122"/>
                 <a:sym typeface="+mn-ea"/>
               </a:rPr>
               <a:t>(</a:t>
             </a:r>
             <a:r>
               <a:rPr lang="zh-CN" altLang="en-US" b="1">
-                <a:latin typeface="仿宋" panose="02010609060101010101" charset="-122"/>
-                <a:ea typeface="仿宋" panose="02010609060101010101" charset="-122"/>
+                <a:latin typeface="宋体" panose="02010600030101010101" pitchFamily="2" charset="-122"/>
+                <a:ea typeface="宋体" panose="02010600030101010101" pitchFamily="2" charset="-122"/>
+                <a:cs typeface="宋体" panose="02010600030101010101" pitchFamily="2" charset="-122"/>
                 <a:sym typeface="+mn-ea"/>
               </a:rPr>
-              <a:t>第</a:t>
-            </a:r>
-            <a:r>
-              <a:rPr lang="zh-CN" altLang="en-US" b="1">
-                <a:latin typeface="仿宋" panose="02010609060101010101" charset="-122"/>
-                <a:ea typeface="仿宋" panose="02010609060101010101" charset="-122"/>
+              <a:t>第四章</a:t>
+            </a:r>
+            <a:r>
+              <a:rPr lang="en-US" altLang="zh-CN" b="1">
+                <a:latin typeface="宋体" panose="02010600030101010101" pitchFamily="2" charset="-122"/>
+                <a:ea typeface="宋体" panose="02010600030101010101" pitchFamily="2" charset="-122"/>
+                <a:cs typeface="宋体" panose="02010600030101010101" pitchFamily="2" charset="-122"/>
                 <a:sym typeface="+mn-ea"/>
               </a:rPr>
-              <a:t>四章</a:t>
-            </a:r>
-            <a:r>
-              <a:rPr lang="en-US" altLang="zh-CN" b="1">
-                <a:latin typeface="仿宋" panose="02010609060101010101" charset="-122"/>
-                <a:ea typeface="仿宋" panose="02010609060101010101" charset="-122"/>
-                <a:sym typeface="+mn-ea"/>
-              </a:rPr>
               <a:t>)</a:t>
             </a:r>
             <a:endParaRPr lang="zh-CN" altLang="en-US" b="1">
-              <a:latin typeface="仿宋" panose="02010609060101010101" charset="-122"/>
-              <a:ea typeface="仿宋" panose="02010609060101010101" charset="-122"/>
+              <a:latin typeface="宋体" panose="02010600030101010101" pitchFamily="2" charset="-122"/>
+              <a:ea typeface="宋体" panose="02010600030101010101" pitchFamily="2" charset="-122"/>
+              <a:cs typeface="宋体" panose="02010600030101010101" pitchFamily="2" charset="-122"/>
             </a:endParaRPr>
           </a:p>
         </p:txBody>
@@ -3850,53 +3859,51 @@
             <a:pPr algn="ctr"/>
             <a:r>
               <a:rPr lang="zh-CN" altLang="en-US" b="1">
-                <a:latin typeface="仿宋" panose="02010609060101010101" charset="-122"/>
-                <a:ea typeface="仿宋" panose="02010609060101010101" charset="-122"/>
+                <a:latin typeface="宋体" panose="02010600030101010101" pitchFamily="2" charset="-122"/>
+                <a:ea typeface="宋体" panose="02010600030101010101" pitchFamily="2" charset="-122"/>
+                <a:cs typeface="宋体" panose="02010600030101010101" pitchFamily="2" charset="-122"/>
               </a:rPr>
               <a:t>遗忘的基本性质</a:t>
             </a:r>
             <a:endParaRPr lang="zh-CN" altLang="en-US" b="1">
-              <a:latin typeface="仿宋" panose="02010609060101010101" charset="-122"/>
-              <a:ea typeface="仿宋" panose="02010609060101010101" charset="-122"/>
+              <a:latin typeface="宋体" panose="02010600030101010101" pitchFamily="2" charset="-122"/>
+              <a:ea typeface="宋体" panose="02010600030101010101" pitchFamily="2" charset="-122"/>
+              <a:cs typeface="宋体" panose="02010600030101010101" pitchFamily="2" charset="-122"/>
             </a:endParaRPr>
           </a:p>
           <a:p>
             <a:pPr algn="ctr"/>
             <a:r>
               <a:rPr lang="en-US" altLang="zh-CN" b="1">
-                <a:latin typeface="仿宋" panose="02010609060101010101" charset="-122"/>
-                <a:ea typeface="仿宋" panose="02010609060101010101" charset="-122"/>
+                <a:latin typeface="宋体" panose="02010600030101010101" pitchFamily="2" charset="-122"/>
+                <a:ea typeface="宋体" panose="02010600030101010101" pitchFamily="2" charset="-122"/>
+                <a:cs typeface="宋体" panose="02010600030101010101" pitchFamily="2" charset="-122"/>
                 <a:sym typeface="+mn-ea"/>
               </a:rPr>
               <a:t>(</a:t>
             </a:r>
             <a:r>
               <a:rPr lang="zh-CN" altLang="en-US" b="1">
-                <a:latin typeface="仿宋" panose="02010609060101010101" charset="-122"/>
-                <a:ea typeface="仿宋" panose="02010609060101010101" charset="-122"/>
+                <a:latin typeface="宋体" panose="02010600030101010101" pitchFamily="2" charset="-122"/>
+                <a:ea typeface="宋体" panose="02010600030101010101" pitchFamily="2" charset="-122"/>
+                <a:cs typeface="宋体" panose="02010600030101010101" pitchFamily="2" charset="-122"/>
                 <a:sym typeface="+mn-ea"/>
               </a:rPr>
-              <a:t>第三</a:t>
-            </a:r>
-            <a:r>
-              <a:rPr lang="zh-CN" altLang="en-US" b="1">
-                <a:latin typeface="仿宋" panose="02010609060101010101" charset="-122"/>
-                <a:ea typeface="仿宋" panose="02010609060101010101" charset="-122"/>
+              <a:t>第三章</a:t>
+            </a:r>
+            <a:r>
+              <a:rPr lang="en-US" altLang="zh-CN" b="1">
+                <a:latin typeface="宋体" panose="02010600030101010101" pitchFamily="2" charset="-122"/>
+                <a:ea typeface="宋体" panose="02010600030101010101" pitchFamily="2" charset="-122"/>
+                <a:cs typeface="宋体" panose="02010600030101010101" pitchFamily="2" charset="-122"/>
                 <a:sym typeface="+mn-ea"/>
               </a:rPr>
-              <a:t>章</a:t>
-            </a:r>
-            <a:r>
-              <a:rPr lang="en-US" altLang="zh-CN" b="1">
-                <a:latin typeface="仿宋" panose="02010609060101010101" charset="-122"/>
-                <a:ea typeface="仿宋" panose="02010609060101010101" charset="-122"/>
-                <a:sym typeface="+mn-ea"/>
-              </a:rPr>
               <a:t>)</a:t>
             </a:r>
             <a:endParaRPr lang="zh-CN" altLang="en-US" b="1">
-              <a:latin typeface="仿宋" panose="02010609060101010101" charset="-122"/>
-              <a:ea typeface="仿宋" panose="02010609060101010101" charset="-122"/>
+              <a:latin typeface="宋体" panose="02010600030101010101" pitchFamily="2" charset="-122"/>
+              <a:ea typeface="宋体" panose="02010600030101010101" pitchFamily="2" charset="-122"/>
+              <a:cs typeface="宋体" panose="02010600030101010101" pitchFamily="2" charset="-122"/>
             </a:endParaRPr>
           </a:p>
         </p:txBody>
@@ -3946,60 +3953,51 @@
             <a:pPr algn="ctr"/>
             <a:r>
               <a:rPr lang="zh-CN" altLang="en-US" b="1">
-                <a:latin typeface="仿宋" panose="02010609060101010101" charset="-122"/>
-                <a:ea typeface="仿宋" panose="02010609060101010101" charset="-122"/>
-              </a:rPr>
-              <a:t>基于归结的算法和实现及</a:t>
+                <a:latin typeface="宋体" panose="02010600030101010101" pitchFamily="2" charset="-122"/>
+                <a:ea typeface="宋体" panose="02010600030101010101" pitchFamily="2" charset="-122"/>
+                <a:cs typeface="宋体" panose="02010600030101010101" pitchFamily="2" charset="-122"/>
+              </a:rPr>
+              <a:t>基于归结的算法和实现及实验</a:t>
+            </a:r>
+            <a:endParaRPr lang="zh-CN" altLang="en-US" b="1">
+              <a:latin typeface="宋体" panose="02010600030101010101" pitchFamily="2" charset="-122"/>
+              <a:ea typeface="宋体" panose="02010600030101010101" pitchFamily="2" charset="-122"/>
+              <a:cs typeface="宋体" panose="02010600030101010101" pitchFamily="2" charset="-122"/>
+            </a:endParaRPr>
+          </a:p>
+          <a:p>
+            <a:pPr algn="ctr"/>
+            <a:r>
+              <a:rPr lang="en-US" altLang="zh-CN" b="1">
+                <a:latin typeface="宋体" panose="02010600030101010101" pitchFamily="2" charset="-122"/>
+                <a:ea typeface="宋体" panose="02010600030101010101" pitchFamily="2" charset="-122"/>
+                <a:cs typeface="宋体" panose="02010600030101010101" pitchFamily="2" charset="-122"/>
+                <a:sym typeface="+mn-ea"/>
+              </a:rPr>
+              <a:t>(</a:t>
             </a:r>
             <a:r>
               <a:rPr lang="zh-CN" altLang="en-US" b="1">
-                <a:latin typeface="仿宋" panose="02010609060101010101" charset="-122"/>
-                <a:ea typeface="仿宋" panose="02010609060101010101" charset="-122"/>
-              </a:rPr>
-              <a:t>实验</a:t>
+                <a:latin typeface="宋体" panose="02010600030101010101" pitchFamily="2" charset="-122"/>
+                <a:ea typeface="宋体" panose="02010600030101010101" pitchFamily="2" charset="-122"/>
+                <a:cs typeface="宋体" panose="02010600030101010101" pitchFamily="2" charset="-122"/>
+                <a:sym typeface="+mn-ea"/>
+              </a:rPr>
+              <a:t>第五章</a:t>
+            </a:r>
+            <a:r>
+              <a:rPr lang="en-US" altLang="zh-CN" b="1">
+                <a:latin typeface="宋体" panose="02010600030101010101" pitchFamily="2" charset="-122"/>
+                <a:ea typeface="宋体" panose="02010600030101010101" pitchFamily="2" charset="-122"/>
+                <a:cs typeface="宋体" panose="02010600030101010101" pitchFamily="2" charset="-122"/>
+                <a:sym typeface="+mn-ea"/>
+              </a:rPr>
+              <a:t>)</a:t>
             </a:r>
             <a:endParaRPr lang="zh-CN" altLang="en-US" b="1">
-              <a:latin typeface="仿宋" panose="02010609060101010101" charset="-122"/>
-              <a:ea typeface="仿宋" panose="02010609060101010101" charset="-122"/>
-            </a:endParaRPr>
-          </a:p>
-          <a:p>
-            <a:pPr algn="ctr"/>
-            <a:r>
-              <a:rPr lang="en-US" altLang="zh-CN" b="1">
-                <a:latin typeface="仿宋" panose="02010609060101010101" charset="-122"/>
-                <a:ea typeface="仿宋" panose="02010609060101010101" charset="-122"/>
-                <a:sym typeface="+mn-ea"/>
-              </a:rPr>
-              <a:t>(</a:t>
-            </a:r>
-            <a:r>
-              <a:rPr lang="zh-CN" altLang="en-US" b="1">
-                <a:latin typeface="仿宋" panose="02010609060101010101" charset="-122"/>
-                <a:ea typeface="仿宋" panose="02010609060101010101" charset="-122"/>
-                <a:sym typeface="+mn-ea"/>
-              </a:rPr>
-              <a:t>第</a:t>
-            </a:r>
-            <a:r>
-              <a:rPr lang="zh-CN" altLang="en-US" b="1">
-                <a:latin typeface="仿宋" panose="02010609060101010101" charset="-122"/>
-                <a:ea typeface="仿宋" panose="02010609060101010101" charset="-122"/>
-                <a:sym typeface="+mn-ea"/>
-              </a:rPr>
-              <a:t>五章</a:t>
-            </a:r>
-            <a:r>
-              <a:rPr lang="en-US" altLang="zh-CN" b="1">
-                <a:latin typeface="仿宋" panose="02010609060101010101" charset="-122"/>
-                <a:ea typeface="仿宋" panose="02010609060101010101" charset="-122"/>
-                <a:sym typeface="+mn-ea"/>
-              </a:rPr>
-              <a:t>)</a:t>
-            </a:r>
-            <a:endParaRPr lang="zh-CN" altLang="en-US" b="1">
-              <a:latin typeface="仿宋" panose="02010609060101010101" charset="-122"/>
-              <a:ea typeface="仿宋" panose="02010609060101010101" charset="-122"/>
+              <a:latin typeface="宋体" panose="02010600030101010101" pitchFamily="2" charset="-122"/>
+              <a:ea typeface="宋体" panose="02010600030101010101" pitchFamily="2" charset="-122"/>
+              <a:cs typeface="宋体" panose="02010600030101010101" pitchFamily="2" charset="-122"/>
             </a:endParaRPr>
           </a:p>
         </p:txBody>
@@ -4049,60 +4047,51 @@
             <a:pPr algn="ctr"/>
             <a:r>
               <a:rPr lang="zh-CN" altLang="en-US" b="1">
-                <a:latin typeface="仿宋" panose="02010609060101010101" charset="-122"/>
-                <a:ea typeface="仿宋" panose="02010609060101010101" charset="-122"/>
-              </a:rPr>
-              <a:t>基于</a:t>
+                <a:latin typeface="宋体" panose="02010600030101010101" pitchFamily="2" charset="-122"/>
+                <a:ea typeface="宋体" panose="02010600030101010101" pitchFamily="2" charset="-122"/>
+                <a:cs typeface="宋体" panose="02010600030101010101" pitchFamily="2" charset="-122"/>
+              </a:rPr>
+              <a:t>基于模型的遗忘</a:t>
+            </a:r>
+            <a:endParaRPr lang="zh-CN" altLang="en-US" b="1">
+              <a:latin typeface="宋体" panose="02010600030101010101" pitchFamily="2" charset="-122"/>
+              <a:ea typeface="宋体" panose="02010600030101010101" pitchFamily="2" charset="-122"/>
+              <a:cs typeface="宋体" panose="02010600030101010101" pitchFamily="2" charset="-122"/>
+            </a:endParaRPr>
+          </a:p>
+          <a:p>
+            <a:pPr algn="ctr"/>
+            <a:r>
+              <a:rPr lang="en-US" altLang="zh-CN" b="1">
+                <a:latin typeface="宋体" panose="02010600030101010101" pitchFamily="2" charset="-122"/>
+                <a:ea typeface="宋体" panose="02010600030101010101" pitchFamily="2" charset="-122"/>
+                <a:cs typeface="宋体" panose="02010600030101010101" pitchFamily="2" charset="-122"/>
+                <a:sym typeface="+mn-ea"/>
+              </a:rPr>
+              <a:t>(</a:t>
             </a:r>
             <a:r>
               <a:rPr lang="zh-CN" altLang="en-US" b="1">
-                <a:latin typeface="仿宋" panose="02010609060101010101" charset="-122"/>
-                <a:ea typeface="仿宋" panose="02010609060101010101" charset="-122"/>
-              </a:rPr>
-              <a:t>模型的遗忘</a:t>
+                <a:latin typeface="宋体" panose="02010600030101010101" pitchFamily="2" charset="-122"/>
+                <a:ea typeface="宋体" panose="02010600030101010101" pitchFamily="2" charset="-122"/>
+                <a:cs typeface="宋体" panose="02010600030101010101" pitchFamily="2" charset="-122"/>
+                <a:sym typeface="+mn-ea"/>
+              </a:rPr>
+              <a:t>第五章</a:t>
+            </a:r>
+            <a:r>
+              <a:rPr lang="en-US" altLang="zh-CN" b="1">
+                <a:latin typeface="宋体" panose="02010600030101010101" pitchFamily="2" charset="-122"/>
+                <a:ea typeface="宋体" panose="02010600030101010101" pitchFamily="2" charset="-122"/>
+                <a:cs typeface="宋体" panose="02010600030101010101" pitchFamily="2" charset="-122"/>
+                <a:sym typeface="+mn-ea"/>
+              </a:rPr>
+              <a:t>)</a:t>
             </a:r>
             <a:endParaRPr lang="zh-CN" altLang="en-US" b="1">
-              <a:latin typeface="仿宋" panose="02010609060101010101" charset="-122"/>
-              <a:ea typeface="仿宋" panose="02010609060101010101" charset="-122"/>
-            </a:endParaRPr>
-          </a:p>
-          <a:p>
-            <a:pPr algn="ctr"/>
-            <a:r>
-              <a:rPr lang="en-US" altLang="zh-CN" b="1">
-                <a:latin typeface="仿宋" panose="02010609060101010101" charset="-122"/>
-                <a:ea typeface="仿宋" panose="02010609060101010101" charset="-122"/>
-                <a:sym typeface="+mn-ea"/>
-              </a:rPr>
-              <a:t>(</a:t>
-            </a:r>
-            <a:r>
-              <a:rPr lang="zh-CN" altLang="en-US" b="1">
-                <a:latin typeface="仿宋" panose="02010609060101010101" charset="-122"/>
-                <a:ea typeface="仿宋" panose="02010609060101010101" charset="-122"/>
-                <a:sym typeface="+mn-ea"/>
-              </a:rPr>
-              <a:t>第五</a:t>
-            </a:r>
-            <a:r>
-              <a:rPr lang="zh-CN" altLang="en-US" b="1">
-                <a:latin typeface="仿宋" panose="02010609060101010101" charset="-122"/>
-                <a:ea typeface="仿宋" panose="02010609060101010101" charset="-122"/>
-                <a:sym typeface="+mn-ea"/>
-              </a:rPr>
-              <a:t>章</a:t>
-            </a:r>
-            <a:r>
-              <a:rPr lang="en-US" altLang="zh-CN" b="1">
-                <a:latin typeface="仿宋" panose="02010609060101010101" charset="-122"/>
-                <a:ea typeface="仿宋" panose="02010609060101010101" charset="-122"/>
-                <a:sym typeface="+mn-ea"/>
-              </a:rPr>
-              <a:t>)</a:t>
-            </a:r>
-            <a:endParaRPr lang="zh-CN" altLang="en-US" b="1">
-              <a:latin typeface="仿宋" panose="02010609060101010101" charset="-122"/>
-              <a:ea typeface="仿宋" panose="02010609060101010101" charset="-122"/>
+              <a:latin typeface="宋体" panose="02010600030101010101" pitchFamily="2" charset="-122"/>
+              <a:ea typeface="宋体" panose="02010600030101010101" pitchFamily="2" charset="-122"/>
+              <a:cs typeface="宋体" panose="02010600030101010101" pitchFamily="2" charset="-122"/>
             </a:endParaRPr>
           </a:p>
         </p:txBody>
@@ -4152,42 +4141,48 @@
             <a:pPr algn="ctr"/>
             <a:r>
               <a:rPr lang="zh-CN" altLang="en-US" b="1">
-                <a:latin typeface="仿宋" panose="02010609060101010101" charset="-122"/>
-                <a:ea typeface="仿宋" panose="02010609060101010101" charset="-122"/>
+                <a:latin typeface="宋体" panose="02010600030101010101" pitchFamily="2" charset="-122"/>
+                <a:ea typeface="宋体" panose="02010600030101010101" pitchFamily="2" charset="-122"/>
+                <a:cs typeface="宋体" panose="02010600030101010101" pitchFamily="2" charset="-122"/>
               </a:rPr>
               <a:t>计算</a:t>
             </a:r>
             <a:r>
               <a:rPr lang="en-US" altLang="zh-CN" b="1">
-                <a:latin typeface="仿宋" panose="02010609060101010101" charset="-122"/>
-                <a:ea typeface="仿宋" panose="02010609060101010101" charset="-122"/>
+                <a:latin typeface="宋体" panose="02010600030101010101" pitchFamily="2" charset="-122"/>
+                <a:ea typeface="宋体" panose="02010600030101010101" pitchFamily="2" charset="-122"/>
+                <a:cs typeface="宋体" panose="02010600030101010101" pitchFamily="2" charset="-122"/>
               </a:rPr>
               <a:t>SNC</a:t>
             </a:r>
             <a:r>
               <a:rPr lang="zh-CN" altLang="en-US" b="1">
-                <a:latin typeface="仿宋" panose="02010609060101010101" charset="-122"/>
-                <a:ea typeface="仿宋" panose="02010609060101010101" charset="-122"/>
+                <a:latin typeface="宋体" panose="02010600030101010101" pitchFamily="2" charset="-122"/>
+                <a:ea typeface="宋体" panose="02010600030101010101" pitchFamily="2" charset="-122"/>
+                <a:cs typeface="宋体" panose="02010600030101010101" pitchFamily="2" charset="-122"/>
               </a:rPr>
               <a:t>（</a:t>
             </a:r>
             <a:r>
               <a:rPr lang="en-US" altLang="zh-CN" b="1">
-                <a:latin typeface="仿宋" panose="02010609060101010101" charset="-122"/>
-                <a:ea typeface="仿宋" panose="02010609060101010101" charset="-122"/>
+                <a:latin typeface="宋体" panose="02010600030101010101" pitchFamily="2" charset="-122"/>
+                <a:ea typeface="宋体" panose="02010600030101010101" pitchFamily="2" charset="-122"/>
+                <a:cs typeface="宋体" panose="02010600030101010101" pitchFamily="2" charset="-122"/>
               </a:rPr>
               <a:t>WSC</a:t>
             </a:r>
             <a:r>
               <a:rPr lang="zh-CN" altLang="en-US" b="1">
-                <a:latin typeface="仿宋" panose="02010609060101010101" charset="-122"/>
-                <a:ea typeface="仿宋" panose="02010609060101010101" charset="-122"/>
+                <a:latin typeface="宋体" panose="02010600030101010101" pitchFamily="2" charset="-122"/>
+                <a:ea typeface="宋体" panose="02010600030101010101" pitchFamily="2" charset="-122"/>
+                <a:cs typeface="宋体" panose="02010600030101010101" pitchFamily="2" charset="-122"/>
               </a:rPr>
               <a:t>）</a:t>
             </a:r>
             <a:endParaRPr lang="zh-CN" altLang="en-US" b="1">
-              <a:latin typeface="仿宋" panose="02010609060101010101" charset="-122"/>
-              <a:ea typeface="仿宋" panose="02010609060101010101" charset="-122"/>
+              <a:latin typeface="宋体" panose="02010600030101010101" pitchFamily="2" charset="-122"/>
+              <a:ea typeface="宋体" panose="02010600030101010101" pitchFamily="2" charset="-122"/>
+              <a:cs typeface="宋体" panose="02010600030101010101" pitchFamily="2" charset="-122"/>
             </a:endParaRPr>
           </a:p>
         </p:txBody>
@@ -4237,14 +4232,14 @@
             <a:pPr algn="ctr"/>
             <a:r>
               <a:rPr lang="zh-CN" altLang="en-US" b="1">
-                <a:latin typeface="仿宋" panose="02010609060101010101" charset="-122"/>
-                <a:ea typeface="仿宋" panose="02010609060101010101" charset="-122"/>
+                <a:latin typeface="宋体" panose="02010600030101010101" pitchFamily="2" charset="-122"/>
+                <a:ea typeface="宋体" panose="02010600030101010101" pitchFamily="2" charset="-122"/>
               </a:rPr>
               <a:t>定义知识更新</a:t>
             </a:r>
             <a:endParaRPr lang="zh-CN" altLang="en-US" b="1">
-              <a:latin typeface="仿宋" panose="02010609060101010101" charset="-122"/>
-              <a:ea typeface="仿宋" panose="02010609060101010101" charset="-122"/>
+              <a:latin typeface="宋体" panose="02010600030101010101" pitchFamily="2" charset="-122"/>
+              <a:ea typeface="宋体" panose="02010600030101010101" pitchFamily="2" charset="-122"/>
             </a:endParaRPr>
           </a:p>
         </p:txBody>
@@ -4663,49 +4658,48 @@
             <a:pPr algn="ctr"/>
             <a:r>
               <a:rPr lang="zh-CN" altLang="en-US" b="1">
-                <a:latin typeface="仿宋" panose="02010609060101010101" charset="-122"/>
-                <a:ea typeface="仿宋" panose="02010609060101010101" charset="-122"/>
+                <a:latin typeface="宋体" panose="02010600030101010101" pitchFamily="2" charset="-122"/>
+                <a:ea typeface="宋体" panose="02010600030101010101" pitchFamily="2" charset="-122"/>
+                <a:cs typeface="宋体" panose="02010600030101010101" pitchFamily="2" charset="-122"/>
               </a:rPr>
               <a:t>基本概念及知识点</a:t>
             </a:r>
             <a:endParaRPr lang="zh-CN" altLang="en-US" b="1">
-              <a:latin typeface="仿宋" panose="02010609060101010101" charset="-122"/>
-              <a:ea typeface="仿宋" panose="02010609060101010101" charset="-122"/>
+              <a:latin typeface="宋体" panose="02010600030101010101" pitchFamily="2" charset="-122"/>
+              <a:ea typeface="宋体" panose="02010600030101010101" pitchFamily="2" charset="-122"/>
+              <a:cs typeface="宋体" panose="02010600030101010101" pitchFamily="2" charset="-122"/>
             </a:endParaRPr>
           </a:p>
           <a:p>
             <a:pPr algn="ctr"/>
             <a:r>
               <a:rPr lang="en-US" altLang="zh-CN" b="1">
-                <a:latin typeface="仿宋" panose="02010609060101010101" charset="-122"/>
-                <a:ea typeface="仿宋" panose="02010609060101010101" charset="-122"/>
+                <a:latin typeface="宋体" panose="02010600030101010101" pitchFamily="2" charset="-122"/>
+                <a:ea typeface="宋体" panose="02010600030101010101" pitchFamily="2" charset="-122"/>
+                <a:cs typeface="宋体" panose="02010600030101010101" pitchFamily="2" charset="-122"/>
               </a:rPr>
               <a:t>(</a:t>
             </a:r>
             <a:r>
               <a:rPr lang="zh-CN" altLang="en-US" b="1">
-                <a:latin typeface="仿宋" panose="02010609060101010101" charset="-122"/>
-                <a:ea typeface="仿宋" panose="02010609060101010101" charset="-122"/>
-              </a:rPr>
-              <a:t>第二</a:t>
-            </a:r>
-            <a:r>
-              <a:rPr lang="zh-CN" altLang="en-US" b="1">
-                <a:latin typeface="仿宋" panose="02010609060101010101" charset="-122"/>
-                <a:ea typeface="仿宋" panose="02010609060101010101" charset="-122"/>
-              </a:rPr>
-              <a:t>章</a:t>
+                <a:latin typeface="宋体" panose="02010600030101010101" pitchFamily="2" charset="-122"/>
+                <a:ea typeface="宋体" panose="02010600030101010101" pitchFamily="2" charset="-122"/>
+                <a:cs typeface="宋体" panose="02010600030101010101" pitchFamily="2" charset="-122"/>
+              </a:rPr>
+              <a:t>第二章</a:t>
             </a:r>
             <a:r>
               <a:rPr lang="en-US" altLang="zh-CN" b="1">
-                <a:latin typeface="仿宋" panose="02010609060101010101" charset="-122"/>
-                <a:ea typeface="仿宋" panose="02010609060101010101" charset="-122"/>
+                <a:latin typeface="宋体" panose="02010600030101010101" pitchFamily="2" charset="-122"/>
+                <a:ea typeface="宋体" panose="02010600030101010101" pitchFamily="2" charset="-122"/>
+                <a:cs typeface="宋体" panose="02010600030101010101" pitchFamily="2" charset="-122"/>
               </a:rPr>
               <a:t>)</a:t>
             </a:r>
             <a:endParaRPr lang="en-US" altLang="zh-CN" b="1">
-              <a:latin typeface="仿宋" panose="02010609060101010101" charset="-122"/>
-              <a:ea typeface="仿宋" panose="02010609060101010101" charset="-122"/>
+              <a:latin typeface="宋体" panose="02010600030101010101" pitchFamily="2" charset="-122"/>
+              <a:ea typeface="宋体" panose="02010600030101010101" pitchFamily="2" charset="-122"/>
+              <a:cs typeface="宋体" panose="02010600030101010101" pitchFamily="2" charset="-122"/>
             </a:endParaRPr>
           </a:p>
         </p:txBody>
@@ -4778,7 +4772,10 @@
           <a:bodyPr rtlCol="0" anchor="ctr"/>
           <a:p>
             <a:pPr algn="ctr"/>
-            <a:endParaRPr lang="zh-CN" altLang="en-US"/>
+            <a:endParaRPr lang="zh-CN" altLang="en-US">
+              <a:latin typeface="宋体" panose="02010600030101010101" pitchFamily="2" charset="-122"/>
+              <a:ea typeface="宋体" panose="02010600030101010101" pitchFamily="2" charset="-122"/>
+            </a:endParaRPr>
           </a:p>
         </p:txBody>
       </p:sp>
@@ -4790,8 +4787,8 @@
         </p:nvSpPr>
         <p:spPr>
           <a:xfrm>
-            <a:off x="11724005" y="3429635"/>
-            <a:ext cx="490220" cy="707390"/>
+            <a:off x="11754485" y="3429635"/>
+            <a:ext cx="459740" cy="707390"/>
           </a:xfrm>
           <a:prstGeom prst="rect">
             <a:avLst/>
@@ -4804,15 +4801,15 @@
           </a:bodyPr>
           <a:p>
             <a:r>
-              <a:rPr lang="zh-CN" altLang="en-US" sz="2000" b="1">
-                <a:latin typeface="仿宋" panose="02010609060101010101" charset="-122"/>
-                <a:ea typeface="仿宋" panose="02010609060101010101" charset="-122"/>
+              <a:rPr lang="zh-CN" altLang="en-US" b="1">
+                <a:latin typeface="宋体" panose="02010600030101010101" pitchFamily="2" charset="-122"/>
+                <a:ea typeface="宋体" panose="02010600030101010101" pitchFamily="2" charset="-122"/>
               </a:rPr>
               <a:t>总结</a:t>
             </a:r>
-            <a:endParaRPr lang="zh-CN" altLang="en-US" sz="2000" b="1">
-              <a:latin typeface="仿宋" panose="02010609060101010101" charset="-122"/>
-              <a:ea typeface="仿宋" panose="02010609060101010101" charset="-122"/>
+            <a:endParaRPr lang="zh-CN" altLang="en-US" b="1">
+              <a:latin typeface="宋体" panose="02010600030101010101" pitchFamily="2" charset="-122"/>
+              <a:ea typeface="宋体" panose="02010600030101010101" pitchFamily="2" charset="-122"/>
             </a:endParaRPr>
           </a:p>
         </p:txBody>
